--- a/sidang-akhir/ppt_skripsi.pptx
+++ b/sidang-akhir/ppt_skripsi.pptx
@@ -292,7 +292,7 @@
           <a:p>
             <a:fld id="{F5671809-4E7C-4B4C-B35D-BEB3A7116895}" type="datetimeFigureOut">
               <a:rPr lang="en-ID" smtClean="0"/>
-              <a:t>28/06/2022</a:t>
+              <a:t>29/06/2022</a:t>
             </a:fld>
             <a:endParaRPr lang="en-ID"/>
           </a:p>
@@ -492,7 +492,7 @@
           <a:p>
             <a:fld id="{F5671809-4E7C-4B4C-B35D-BEB3A7116895}" type="datetimeFigureOut">
               <a:rPr lang="en-ID" smtClean="0"/>
-              <a:t>28/06/2022</a:t>
+              <a:t>29/06/2022</a:t>
             </a:fld>
             <a:endParaRPr lang="en-ID"/>
           </a:p>
@@ -702,7 +702,7 @@
           <a:p>
             <a:fld id="{F5671809-4E7C-4B4C-B35D-BEB3A7116895}" type="datetimeFigureOut">
               <a:rPr lang="en-ID" smtClean="0"/>
-              <a:t>28/06/2022</a:t>
+              <a:t>29/06/2022</a:t>
             </a:fld>
             <a:endParaRPr lang="en-ID"/>
           </a:p>
@@ -902,7 +902,7 @@
           <a:p>
             <a:fld id="{F5671809-4E7C-4B4C-B35D-BEB3A7116895}" type="datetimeFigureOut">
               <a:rPr lang="en-ID" smtClean="0"/>
-              <a:t>28/06/2022</a:t>
+              <a:t>29/06/2022</a:t>
             </a:fld>
             <a:endParaRPr lang="en-ID"/>
           </a:p>
@@ -1178,7 +1178,7 @@
           <a:p>
             <a:fld id="{F5671809-4E7C-4B4C-B35D-BEB3A7116895}" type="datetimeFigureOut">
               <a:rPr lang="en-ID" smtClean="0"/>
-              <a:t>28/06/2022</a:t>
+              <a:t>29/06/2022</a:t>
             </a:fld>
             <a:endParaRPr lang="en-ID"/>
           </a:p>
@@ -1446,7 +1446,7 @@
           <a:p>
             <a:fld id="{F5671809-4E7C-4B4C-B35D-BEB3A7116895}" type="datetimeFigureOut">
               <a:rPr lang="en-ID" smtClean="0"/>
-              <a:t>28/06/2022</a:t>
+              <a:t>29/06/2022</a:t>
             </a:fld>
             <a:endParaRPr lang="en-ID"/>
           </a:p>
@@ -1861,7 +1861,7 @@
           <a:p>
             <a:fld id="{F5671809-4E7C-4B4C-B35D-BEB3A7116895}" type="datetimeFigureOut">
               <a:rPr lang="en-ID" smtClean="0"/>
-              <a:t>28/06/2022</a:t>
+              <a:t>29/06/2022</a:t>
             </a:fld>
             <a:endParaRPr lang="en-ID"/>
           </a:p>
@@ -2003,7 +2003,7 @@
           <a:p>
             <a:fld id="{F5671809-4E7C-4B4C-B35D-BEB3A7116895}" type="datetimeFigureOut">
               <a:rPr lang="en-ID" smtClean="0"/>
-              <a:t>28/06/2022</a:t>
+              <a:t>29/06/2022</a:t>
             </a:fld>
             <a:endParaRPr lang="en-ID"/>
           </a:p>
@@ -2116,7 +2116,7 @@
           <a:p>
             <a:fld id="{F5671809-4E7C-4B4C-B35D-BEB3A7116895}" type="datetimeFigureOut">
               <a:rPr lang="en-ID" smtClean="0"/>
-              <a:t>28/06/2022</a:t>
+              <a:t>29/06/2022</a:t>
             </a:fld>
             <a:endParaRPr lang="en-ID"/>
           </a:p>
@@ -2429,7 +2429,7 @@
           <a:p>
             <a:fld id="{F5671809-4E7C-4B4C-B35D-BEB3A7116895}" type="datetimeFigureOut">
               <a:rPr lang="en-ID" smtClean="0"/>
-              <a:t>28/06/2022</a:t>
+              <a:t>29/06/2022</a:t>
             </a:fld>
             <a:endParaRPr lang="en-ID"/>
           </a:p>
@@ -2718,7 +2718,7 @@
           <a:p>
             <a:fld id="{F5671809-4E7C-4B4C-B35D-BEB3A7116895}" type="datetimeFigureOut">
               <a:rPr lang="en-ID" smtClean="0"/>
-              <a:t>28/06/2022</a:t>
+              <a:t>29/06/2022</a:t>
             </a:fld>
             <a:endParaRPr lang="en-ID"/>
           </a:p>
@@ -2961,7 +2961,7 @@
           <a:p>
             <a:fld id="{F5671809-4E7C-4B4C-B35D-BEB3A7116895}" type="datetimeFigureOut">
               <a:rPr lang="en-ID" smtClean="0"/>
-              <a:t>28/06/2022</a:t>
+              <a:t>29/06/2022</a:t>
             </a:fld>
             <a:endParaRPr lang="en-ID"/>
           </a:p>
@@ -9374,7 +9374,7 @@
                 <a:latin typeface="Arial" panose="020B0604020202020204" pitchFamily="34" charset="0"/>
                 <a:cs typeface="Arial" panose="020B0604020202020204" pitchFamily="34" charset="0"/>
               </a:rPr>
-              <a:t>System Usability Testing (SUS)</a:t>
+              <a:t>System Usability Scale (SUS)</a:t>
             </a:r>
             <a:endParaRPr lang="en-ID" sz="1400" b="1" dirty="0">
               <a:solidFill>
@@ -10498,7 +10498,7 @@
             </a:r>
             <a:r>
               <a:rPr lang="en-US" sz="2000" b="1" dirty="0"/>
-              <a:t>System Usability Testing (SUS)</a:t>
+              <a:t>System Usability Scale (SUS)</a:t>
             </a:r>
             <a:endParaRPr lang="en-ID" sz="2000" b="1" dirty="0"/>
           </a:p>
@@ -19626,7 +19626,7 @@
                 <a:latin typeface="Arial" panose="020B0604020202020204" pitchFamily="34" charset="0"/>
                 <a:cs typeface="Arial" panose="020B0604020202020204" pitchFamily="34" charset="0"/>
               </a:rPr>
-              <a:t>dikomprasi</a:t>
+              <a:t>dikomparasi</a:t>
             </a:r>
             <a:r>
               <a:rPr lang="en-US" sz="1600" dirty="0">

--- a/sidang-akhir/ppt_skripsi.pptx
+++ b/sidang-akhir/ppt_skripsi.pptx
@@ -292,7 +292,7 @@
           <a:p>
             <a:fld id="{F5671809-4E7C-4B4C-B35D-BEB3A7116895}" type="datetimeFigureOut">
               <a:rPr lang="en-ID" smtClean="0"/>
-              <a:t>29/06/2022</a:t>
+              <a:t>12/07/2022</a:t>
             </a:fld>
             <a:endParaRPr lang="en-ID"/>
           </a:p>
@@ -492,7 +492,7 @@
           <a:p>
             <a:fld id="{F5671809-4E7C-4B4C-B35D-BEB3A7116895}" type="datetimeFigureOut">
               <a:rPr lang="en-ID" smtClean="0"/>
-              <a:t>29/06/2022</a:t>
+              <a:t>12/07/2022</a:t>
             </a:fld>
             <a:endParaRPr lang="en-ID"/>
           </a:p>
@@ -702,7 +702,7 @@
           <a:p>
             <a:fld id="{F5671809-4E7C-4B4C-B35D-BEB3A7116895}" type="datetimeFigureOut">
               <a:rPr lang="en-ID" smtClean="0"/>
-              <a:t>29/06/2022</a:t>
+              <a:t>12/07/2022</a:t>
             </a:fld>
             <a:endParaRPr lang="en-ID"/>
           </a:p>
@@ -902,7 +902,7 @@
           <a:p>
             <a:fld id="{F5671809-4E7C-4B4C-B35D-BEB3A7116895}" type="datetimeFigureOut">
               <a:rPr lang="en-ID" smtClean="0"/>
-              <a:t>29/06/2022</a:t>
+              <a:t>12/07/2022</a:t>
             </a:fld>
             <a:endParaRPr lang="en-ID"/>
           </a:p>
@@ -1178,7 +1178,7 @@
           <a:p>
             <a:fld id="{F5671809-4E7C-4B4C-B35D-BEB3A7116895}" type="datetimeFigureOut">
               <a:rPr lang="en-ID" smtClean="0"/>
-              <a:t>29/06/2022</a:t>
+              <a:t>12/07/2022</a:t>
             </a:fld>
             <a:endParaRPr lang="en-ID"/>
           </a:p>
@@ -1446,7 +1446,7 @@
           <a:p>
             <a:fld id="{F5671809-4E7C-4B4C-B35D-BEB3A7116895}" type="datetimeFigureOut">
               <a:rPr lang="en-ID" smtClean="0"/>
-              <a:t>29/06/2022</a:t>
+              <a:t>12/07/2022</a:t>
             </a:fld>
             <a:endParaRPr lang="en-ID"/>
           </a:p>
@@ -1861,7 +1861,7 @@
           <a:p>
             <a:fld id="{F5671809-4E7C-4B4C-B35D-BEB3A7116895}" type="datetimeFigureOut">
               <a:rPr lang="en-ID" smtClean="0"/>
-              <a:t>29/06/2022</a:t>
+              <a:t>12/07/2022</a:t>
             </a:fld>
             <a:endParaRPr lang="en-ID"/>
           </a:p>
@@ -2003,7 +2003,7 @@
           <a:p>
             <a:fld id="{F5671809-4E7C-4B4C-B35D-BEB3A7116895}" type="datetimeFigureOut">
               <a:rPr lang="en-ID" smtClean="0"/>
-              <a:t>29/06/2022</a:t>
+              <a:t>12/07/2022</a:t>
             </a:fld>
             <a:endParaRPr lang="en-ID"/>
           </a:p>
@@ -2116,7 +2116,7 @@
           <a:p>
             <a:fld id="{F5671809-4E7C-4B4C-B35D-BEB3A7116895}" type="datetimeFigureOut">
               <a:rPr lang="en-ID" smtClean="0"/>
-              <a:t>29/06/2022</a:t>
+              <a:t>12/07/2022</a:t>
             </a:fld>
             <a:endParaRPr lang="en-ID"/>
           </a:p>
@@ -2429,7 +2429,7 @@
           <a:p>
             <a:fld id="{F5671809-4E7C-4B4C-B35D-BEB3A7116895}" type="datetimeFigureOut">
               <a:rPr lang="en-ID" smtClean="0"/>
-              <a:t>29/06/2022</a:t>
+              <a:t>12/07/2022</a:t>
             </a:fld>
             <a:endParaRPr lang="en-ID"/>
           </a:p>
@@ -2718,7 +2718,7 @@
           <a:p>
             <a:fld id="{F5671809-4E7C-4B4C-B35D-BEB3A7116895}" type="datetimeFigureOut">
               <a:rPr lang="en-ID" smtClean="0"/>
-              <a:t>29/06/2022</a:t>
+              <a:t>12/07/2022</a:t>
             </a:fld>
             <a:endParaRPr lang="en-ID"/>
           </a:p>
@@ -2961,7 +2961,7 @@
           <a:p>
             <a:fld id="{F5671809-4E7C-4B4C-B35D-BEB3A7116895}" type="datetimeFigureOut">
               <a:rPr lang="en-ID" smtClean="0"/>
-              <a:t>29/06/2022</a:t>
+              <a:t>12/07/2022</a:t>
             </a:fld>
             <a:endParaRPr lang="en-ID"/>
           </a:p>
@@ -3675,18 +3675,6 @@
   <p:clrMapOvr>
     <a:masterClrMapping/>
   </p:clrMapOvr>
-  <mc:AlternateContent xmlns:mc="http://schemas.openxmlformats.org/markup-compatibility/2006" xmlns:p159="http://schemas.microsoft.com/office/powerpoint/2015/09/main">
-    <mc:Choice Requires="p159">
-      <p:transition xmlns:p14="http://schemas.microsoft.com/office/powerpoint/2010/main" spd="slow" p14:dur="2000">
-        <p159:morph option="byObject"/>
-      </p:transition>
-    </mc:Choice>
-    <mc:Fallback xmlns="">
-      <p:transition spd="slow">
-        <p:fade/>
-      </p:transition>
-    </mc:Fallback>
-  </mc:AlternateContent>
 </p:sld>
 </file>
 
@@ -5343,18 +5331,6 @@
   <p:clrMapOvr>
     <a:masterClrMapping/>
   </p:clrMapOvr>
-  <mc:AlternateContent xmlns:mc="http://schemas.openxmlformats.org/markup-compatibility/2006" xmlns:p159="http://schemas.microsoft.com/office/powerpoint/2015/09/main">
-    <mc:Choice Requires="p159">
-      <p:transition xmlns:p14="http://schemas.microsoft.com/office/powerpoint/2010/main" spd="slow" p14:dur="2000">
-        <p159:morph option="byObject"/>
-      </p:transition>
-    </mc:Choice>
-    <mc:Fallback xmlns="">
-      <p:transition spd="slow">
-        <p:fade/>
-      </p:transition>
-    </mc:Fallback>
-  </mc:AlternateContent>
 </p:sld>
 </file>
 
@@ -6873,18 +6849,6 @@
   <p:clrMapOvr>
     <a:masterClrMapping/>
   </p:clrMapOvr>
-  <mc:AlternateContent xmlns:mc="http://schemas.openxmlformats.org/markup-compatibility/2006" xmlns:p159="http://schemas.microsoft.com/office/powerpoint/2015/09/main">
-    <mc:Choice Requires="p159">
-      <p:transition xmlns:p14="http://schemas.microsoft.com/office/powerpoint/2010/main" spd="slow" p14:dur="2000">
-        <p159:morph option="byObject"/>
-      </p:transition>
-    </mc:Choice>
-    <mc:Fallback xmlns="">
-      <p:transition spd="slow">
-        <p:fade/>
-      </p:transition>
-    </mc:Fallback>
-  </mc:AlternateContent>
 </p:sld>
 </file>
 
@@ -7481,18 +7445,6 @@
   <p:clrMapOvr>
     <a:masterClrMapping/>
   </p:clrMapOvr>
-  <mc:AlternateContent xmlns:mc="http://schemas.openxmlformats.org/markup-compatibility/2006" xmlns:p159="http://schemas.microsoft.com/office/powerpoint/2015/09/main">
-    <mc:Choice Requires="p159">
-      <p:transition xmlns:p14="http://schemas.microsoft.com/office/powerpoint/2010/main" spd="slow" p14:dur="2000">
-        <p159:morph option="byObject"/>
-      </p:transition>
-    </mc:Choice>
-    <mc:Fallback xmlns="">
-      <p:transition spd="slow">
-        <p:fade/>
-      </p:transition>
-    </mc:Fallback>
-  </mc:AlternateContent>
 </p:sld>
 </file>
 
@@ -8288,18 +8240,6 @@
   <p:clrMapOvr>
     <a:masterClrMapping/>
   </p:clrMapOvr>
-  <mc:AlternateContent xmlns:mc="http://schemas.openxmlformats.org/markup-compatibility/2006" xmlns:p159="http://schemas.microsoft.com/office/powerpoint/2015/09/main">
-    <mc:Choice Requires="p159">
-      <p:transition xmlns:p14="http://schemas.microsoft.com/office/powerpoint/2010/main" spd="slow" p14:dur="2000">
-        <p159:morph option="byObject"/>
-      </p:transition>
-    </mc:Choice>
-    <mc:Fallback xmlns="">
-      <p:transition spd="slow">
-        <p:fade/>
-      </p:transition>
-    </mc:Fallback>
-  </mc:AlternateContent>
 </p:sld>
 </file>
 
@@ -8851,18 +8791,6 @@
   <p:clrMapOvr>
     <a:masterClrMapping/>
   </p:clrMapOvr>
-  <mc:AlternateContent xmlns:mc="http://schemas.openxmlformats.org/markup-compatibility/2006" xmlns:p159="http://schemas.microsoft.com/office/powerpoint/2015/09/main">
-    <mc:Choice Requires="p159">
-      <p:transition xmlns:p14="http://schemas.microsoft.com/office/powerpoint/2010/main" spd="slow" p14:dur="2000">
-        <p159:morph option="byObject"/>
-      </p:transition>
-    </mc:Choice>
-    <mc:Fallback xmlns="">
-      <p:transition spd="slow">
-        <p:fade/>
-      </p:transition>
-    </mc:Fallback>
-  </mc:AlternateContent>
 </p:sld>
 </file>
 
@@ -9734,18 +9662,6 @@
   <p:clrMapOvr>
     <a:masterClrMapping/>
   </p:clrMapOvr>
-  <mc:AlternateContent xmlns:mc="http://schemas.openxmlformats.org/markup-compatibility/2006" xmlns:p159="http://schemas.microsoft.com/office/powerpoint/2015/09/main">
-    <mc:Choice Requires="p159">
-      <p:transition xmlns:p14="http://schemas.microsoft.com/office/powerpoint/2010/main" spd="slow" p14:dur="2000">
-        <p159:morph option="byObject"/>
-      </p:transition>
-    </mc:Choice>
-    <mc:Fallback xmlns="">
-      <p:transition spd="slow">
-        <p:fade/>
-      </p:transition>
-    </mc:Fallback>
-  </mc:AlternateContent>
 </p:sld>
 </file>
 
@@ -10514,18 +10430,6 @@
   <p:clrMapOvr>
     <a:masterClrMapping/>
   </p:clrMapOvr>
-  <mc:AlternateContent xmlns:mc="http://schemas.openxmlformats.org/markup-compatibility/2006" xmlns:p159="http://schemas.microsoft.com/office/powerpoint/2015/09/main">
-    <mc:Choice Requires="p159">
-      <p:transition xmlns:p14="http://schemas.microsoft.com/office/powerpoint/2010/main" spd="slow" p14:dur="2000">
-        <p159:morph option="byObject"/>
-      </p:transition>
-    </mc:Choice>
-    <mc:Fallback xmlns="">
-      <p:transition spd="slow">
-        <p:fade/>
-      </p:transition>
-    </mc:Fallback>
-  </mc:AlternateContent>
 </p:sld>
 </file>
 
@@ -10920,18 +10824,6 @@
   <p:clrMapOvr>
     <a:masterClrMapping/>
   </p:clrMapOvr>
-  <mc:AlternateContent xmlns:mc="http://schemas.openxmlformats.org/markup-compatibility/2006" xmlns:p159="http://schemas.microsoft.com/office/powerpoint/2015/09/main">
-    <mc:Choice Requires="p159">
-      <p:transition xmlns:p14="http://schemas.microsoft.com/office/powerpoint/2010/main" spd="slow" p14:dur="2000">
-        <p159:morph option="byObject"/>
-      </p:transition>
-    </mc:Choice>
-    <mc:Fallback xmlns="">
-      <p:transition spd="slow">
-        <p:fade/>
-      </p:transition>
-    </mc:Fallback>
-  </mc:AlternateContent>
 </p:sld>
 </file>
 
@@ -11943,359 +11835,6 @@
   <p:clrMapOvr>
     <a:masterClrMapping/>
   </p:clrMapOvr>
-  <mc:AlternateContent xmlns:mc="http://schemas.openxmlformats.org/markup-compatibility/2006" xmlns:p159="http://schemas.microsoft.com/office/powerpoint/2015/09/main">
-    <mc:Choice Requires="p159">
-      <p:transition xmlns:p14="http://schemas.microsoft.com/office/powerpoint/2010/main" spd="slow" p14:dur="2000">
-        <p159:morph option="byObject"/>
-      </p:transition>
-    </mc:Choice>
-    <mc:Fallback xmlns="">
-      <p:transition spd="slow">
-        <p:fade/>
-      </p:transition>
-    </mc:Fallback>
-  </mc:AlternateContent>
-  <p:timing>
-    <p:tnLst>
-      <p:par>
-        <p:cTn id="1" dur="indefinite" restart="never" nodeType="tmRoot">
-          <p:childTnLst>
-            <p:seq concurrent="1" nextAc="seek">
-              <p:cTn id="2" dur="indefinite" nodeType="mainSeq">
-                <p:childTnLst>
-                  <p:par>
-                    <p:cTn id="3" fill="hold">
-                      <p:stCondLst>
-                        <p:cond delay="indefinite"/>
-                      </p:stCondLst>
-                      <p:childTnLst>
-                        <p:par>
-                          <p:cTn id="4" fill="hold">
-                            <p:stCondLst>
-                              <p:cond delay="0"/>
-                            </p:stCondLst>
-                            <p:childTnLst>
-                              <p:par>
-                                <p:cTn id="5" presetID="42" presetClass="entr" presetSubtype="0" fill="hold" nodeType="clickEffect">
-                                  <p:stCondLst>
-                                    <p:cond delay="0"/>
-                                  </p:stCondLst>
-                                  <p:childTnLst>
-                                    <p:set>
-                                      <p:cBhvr>
-                                        <p:cTn id="6" dur="1" fill="hold">
-                                          <p:stCondLst>
-                                            <p:cond delay="0"/>
-                                          </p:stCondLst>
-                                        </p:cTn>
-                                        <p:tgtEl>
-                                          <p:spTgt spid="24"/>
-                                        </p:tgtEl>
-                                        <p:attrNameLst>
-                                          <p:attrName>style.visibility</p:attrName>
-                                        </p:attrNameLst>
-                                      </p:cBhvr>
-                                      <p:to>
-                                        <p:strVal val="visible"/>
-                                      </p:to>
-                                    </p:set>
-                                    <p:animEffect transition="in" filter="fade">
-                                      <p:cBhvr>
-                                        <p:cTn id="7" dur="1000"/>
-                                        <p:tgtEl>
-                                          <p:spTgt spid="24"/>
-                                        </p:tgtEl>
-                                      </p:cBhvr>
-                                    </p:animEffect>
-                                    <p:anim calcmode="lin" valueType="num">
-                                      <p:cBhvr>
-                                        <p:cTn id="8" dur="1000" fill="hold"/>
-                                        <p:tgtEl>
-                                          <p:spTgt spid="24"/>
-                                        </p:tgtEl>
-                                        <p:attrNameLst>
-                                          <p:attrName>ppt_x</p:attrName>
-                                        </p:attrNameLst>
-                                      </p:cBhvr>
-                                      <p:tavLst>
-                                        <p:tav tm="0">
-                                          <p:val>
-                                            <p:strVal val="#ppt_x"/>
-                                          </p:val>
-                                        </p:tav>
-                                        <p:tav tm="100000">
-                                          <p:val>
-                                            <p:strVal val="#ppt_x"/>
-                                          </p:val>
-                                        </p:tav>
-                                      </p:tavLst>
-                                    </p:anim>
-                                    <p:anim calcmode="lin" valueType="num">
-                                      <p:cBhvr>
-                                        <p:cTn id="9" dur="1000" fill="hold"/>
-                                        <p:tgtEl>
-                                          <p:spTgt spid="24"/>
-                                        </p:tgtEl>
-                                        <p:attrNameLst>
-                                          <p:attrName>ppt_y</p:attrName>
-                                        </p:attrNameLst>
-                                      </p:cBhvr>
-                                      <p:tavLst>
-                                        <p:tav tm="0">
-                                          <p:val>
-                                            <p:strVal val="#ppt_y+.1"/>
-                                          </p:val>
-                                        </p:tav>
-                                        <p:tav tm="100000">
-                                          <p:val>
-                                            <p:strVal val="#ppt_y"/>
-                                          </p:val>
-                                        </p:tav>
-                                      </p:tavLst>
-                                    </p:anim>
-                                  </p:childTnLst>
-                                </p:cTn>
-                              </p:par>
-                            </p:childTnLst>
-                          </p:cTn>
-                        </p:par>
-                      </p:childTnLst>
-                    </p:cTn>
-                  </p:par>
-                  <p:par>
-                    <p:cTn id="10" fill="hold">
-                      <p:stCondLst>
-                        <p:cond delay="indefinite"/>
-                      </p:stCondLst>
-                      <p:childTnLst>
-                        <p:par>
-                          <p:cTn id="11" fill="hold">
-                            <p:stCondLst>
-                              <p:cond delay="0"/>
-                            </p:stCondLst>
-                            <p:childTnLst>
-                              <p:par>
-                                <p:cTn id="12" presetID="10" presetClass="entr" presetSubtype="0" fill="hold" nodeType="clickEffect">
-                                  <p:stCondLst>
-                                    <p:cond delay="0"/>
-                                  </p:stCondLst>
-                                  <p:childTnLst>
-                                    <p:set>
-                                      <p:cBhvr>
-                                        <p:cTn id="13" dur="1" fill="hold">
-                                          <p:stCondLst>
-                                            <p:cond delay="0"/>
-                                          </p:stCondLst>
-                                        </p:cTn>
-                                        <p:tgtEl>
-                                          <p:spTgt spid="29"/>
-                                        </p:tgtEl>
-                                        <p:attrNameLst>
-                                          <p:attrName>style.visibility</p:attrName>
-                                        </p:attrNameLst>
-                                      </p:cBhvr>
-                                      <p:to>
-                                        <p:strVal val="visible"/>
-                                      </p:to>
-                                    </p:set>
-                                    <p:animEffect transition="in" filter="fade">
-                                      <p:cBhvr>
-                                        <p:cTn id="14" dur="500"/>
-                                        <p:tgtEl>
-                                          <p:spTgt spid="29"/>
-                                        </p:tgtEl>
-                                      </p:cBhvr>
-                                    </p:animEffect>
-                                  </p:childTnLst>
-                                </p:cTn>
-                              </p:par>
-                            </p:childTnLst>
-                          </p:cTn>
-                        </p:par>
-                      </p:childTnLst>
-                    </p:cTn>
-                  </p:par>
-                  <p:par>
-                    <p:cTn id="15" fill="hold">
-                      <p:stCondLst>
-                        <p:cond delay="indefinite"/>
-                      </p:stCondLst>
-                      <p:childTnLst>
-                        <p:par>
-                          <p:cTn id="16" fill="hold">
-                            <p:stCondLst>
-                              <p:cond delay="0"/>
-                            </p:stCondLst>
-                            <p:childTnLst>
-                              <p:par>
-                                <p:cTn id="17" presetID="10" presetClass="entr" presetSubtype="0" fill="hold" nodeType="clickEffect">
-                                  <p:stCondLst>
-                                    <p:cond delay="0"/>
-                                  </p:stCondLst>
-                                  <p:childTnLst>
-                                    <p:set>
-                                      <p:cBhvr>
-                                        <p:cTn id="18" dur="1" fill="hold">
-                                          <p:stCondLst>
-                                            <p:cond delay="0"/>
-                                          </p:stCondLst>
-                                        </p:cTn>
-                                        <p:tgtEl>
-                                          <p:spTgt spid="30"/>
-                                        </p:tgtEl>
-                                        <p:attrNameLst>
-                                          <p:attrName>style.visibility</p:attrName>
-                                        </p:attrNameLst>
-                                      </p:cBhvr>
-                                      <p:to>
-                                        <p:strVal val="visible"/>
-                                      </p:to>
-                                    </p:set>
-                                    <p:animEffect transition="in" filter="fade">
-                                      <p:cBhvr>
-                                        <p:cTn id="19" dur="500"/>
-                                        <p:tgtEl>
-                                          <p:spTgt spid="30"/>
-                                        </p:tgtEl>
-                                      </p:cBhvr>
-                                    </p:animEffect>
-                                  </p:childTnLst>
-                                </p:cTn>
-                              </p:par>
-                            </p:childTnLst>
-                          </p:cTn>
-                        </p:par>
-                      </p:childTnLst>
-                    </p:cTn>
-                  </p:par>
-                  <p:par>
-                    <p:cTn id="20" fill="hold">
-                      <p:stCondLst>
-                        <p:cond delay="indefinite"/>
-                      </p:stCondLst>
-                      <p:childTnLst>
-                        <p:par>
-                          <p:cTn id="21" fill="hold">
-                            <p:stCondLst>
-                              <p:cond delay="0"/>
-                            </p:stCondLst>
-                            <p:childTnLst>
-                              <p:par>
-                                <p:cTn id="22" presetID="10" presetClass="entr" presetSubtype="0" fill="hold" nodeType="clickEffect">
-                                  <p:stCondLst>
-                                    <p:cond delay="0"/>
-                                  </p:stCondLst>
-                                  <p:childTnLst>
-                                    <p:set>
-                                      <p:cBhvr>
-                                        <p:cTn id="23" dur="1" fill="hold">
-                                          <p:stCondLst>
-                                            <p:cond delay="0"/>
-                                          </p:stCondLst>
-                                        </p:cTn>
-                                        <p:tgtEl>
-                                          <p:spTgt spid="31"/>
-                                        </p:tgtEl>
-                                        <p:attrNameLst>
-                                          <p:attrName>style.visibility</p:attrName>
-                                        </p:attrNameLst>
-                                      </p:cBhvr>
-                                      <p:to>
-                                        <p:strVal val="visible"/>
-                                      </p:to>
-                                    </p:set>
-                                    <p:animEffect transition="in" filter="fade">
-                                      <p:cBhvr>
-                                        <p:cTn id="24" dur="500"/>
-                                        <p:tgtEl>
-                                          <p:spTgt spid="31"/>
-                                        </p:tgtEl>
-                                      </p:cBhvr>
-                                    </p:animEffect>
-                                  </p:childTnLst>
-                                </p:cTn>
-                              </p:par>
-                            </p:childTnLst>
-                          </p:cTn>
-                        </p:par>
-                      </p:childTnLst>
-                    </p:cTn>
-                  </p:par>
-                  <p:par>
-                    <p:cTn id="25" fill="hold">
-                      <p:stCondLst>
-                        <p:cond delay="indefinite"/>
-                      </p:stCondLst>
-                      <p:childTnLst>
-                        <p:par>
-                          <p:cTn id="26" fill="hold">
-                            <p:stCondLst>
-                              <p:cond delay="0"/>
-                            </p:stCondLst>
-                            <p:childTnLst>
-                              <p:par>
-                                <p:cTn id="27" presetID="10" presetClass="entr" presetSubtype="0" fill="hold" nodeType="clickEffect">
-                                  <p:stCondLst>
-                                    <p:cond delay="0"/>
-                                  </p:stCondLst>
-                                  <p:childTnLst>
-                                    <p:set>
-                                      <p:cBhvr>
-                                        <p:cTn id="28" dur="1" fill="hold">
-                                          <p:stCondLst>
-                                            <p:cond delay="0"/>
-                                          </p:stCondLst>
-                                        </p:cTn>
-                                        <p:tgtEl>
-                                          <p:spTgt spid="32"/>
-                                        </p:tgtEl>
-                                        <p:attrNameLst>
-                                          <p:attrName>style.visibility</p:attrName>
-                                        </p:attrNameLst>
-                                      </p:cBhvr>
-                                      <p:to>
-                                        <p:strVal val="visible"/>
-                                      </p:to>
-                                    </p:set>
-                                    <p:animEffect transition="in" filter="fade">
-                                      <p:cBhvr>
-                                        <p:cTn id="29" dur="500"/>
-                                        <p:tgtEl>
-                                          <p:spTgt spid="32"/>
-                                        </p:tgtEl>
-                                      </p:cBhvr>
-                                    </p:animEffect>
-                                  </p:childTnLst>
-                                </p:cTn>
-                              </p:par>
-                            </p:childTnLst>
-                          </p:cTn>
-                        </p:par>
-                      </p:childTnLst>
-                    </p:cTn>
-                  </p:par>
-                </p:childTnLst>
-              </p:cTn>
-              <p:prevCondLst>
-                <p:cond evt="onPrev" delay="0">
-                  <p:tgtEl>
-                    <p:sldTgt/>
-                  </p:tgtEl>
-                </p:cond>
-              </p:prevCondLst>
-              <p:nextCondLst>
-                <p:cond evt="onNext" delay="0">
-                  <p:tgtEl>
-                    <p:sldTgt/>
-                  </p:tgtEl>
-                </p:cond>
-              </p:nextCondLst>
-            </p:seq>
-          </p:childTnLst>
-        </p:cTn>
-      </p:par>
-    </p:tnLst>
-  </p:timing>
 </p:sld>
 </file>
 
@@ -14899,18 +14438,6 @@
   <p:clrMapOvr>
     <a:masterClrMapping/>
   </p:clrMapOvr>
-  <mc:AlternateContent xmlns:mc="http://schemas.openxmlformats.org/markup-compatibility/2006" xmlns:p159="http://schemas.microsoft.com/office/powerpoint/2015/09/main">
-    <mc:Choice Requires="p159">
-      <p:transition xmlns:p14="http://schemas.microsoft.com/office/powerpoint/2010/main" spd="slow" p14:dur="2000">
-        <p159:morph option="byObject"/>
-      </p:transition>
-    </mc:Choice>
-    <mc:Fallback xmlns="">
-      <p:transition spd="slow">
-        <p:fade/>
-      </p:transition>
-    </mc:Fallback>
-  </mc:AlternateContent>
 </p:sld>
 </file>
 
@@ -16283,18 +15810,6 @@
   <p:clrMapOvr>
     <a:masterClrMapping/>
   </p:clrMapOvr>
-  <mc:AlternateContent xmlns:mc="http://schemas.openxmlformats.org/markup-compatibility/2006" xmlns:p159="http://schemas.microsoft.com/office/powerpoint/2015/09/main">
-    <mc:Choice Requires="p159">
-      <p:transition xmlns:p14="http://schemas.microsoft.com/office/powerpoint/2010/main" spd="slow" p14:dur="2000">
-        <p159:morph option="byObject"/>
-      </p:transition>
-    </mc:Choice>
-    <mc:Fallback xmlns="">
-      <p:transition spd="slow">
-        <p:fade/>
-      </p:transition>
-    </mc:Fallback>
-  </mc:AlternateContent>
 </p:sld>
 </file>
 
@@ -17014,18 +16529,6 @@
   <p:clrMapOvr>
     <a:masterClrMapping/>
   </p:clrMapOvr>
-  <mc:AlternateContent xmlns:mc="http://schemas.openxmlformats.org/markup-compatibility/2006" xmlns:p159="http://schemas.microsoft.com/office/powerpoint/2015/09/main">
-    <mc:Choice Requires="p159">
-      <p:transition xmlns:p14="http://schemas.microsoft.com/office/powerpoint/2010/main" spd="slow" p14:dur="2000">
-        <p159:morph option="byObject"/>
-      </p:transition>
-    </mc:Choice>
-    <mc:Fallback xmlns="">
-      <p:transition spd="slow">
-        <p:fade/>
-      </p:transition>
-    </mc:Fallback>
-  </mc:AlternateContent>
 </p:sld>
 </file>
 
@@ -17911,18 +17414,6 @@
   <p:clrMapOvr>
     <a:masterClrMapping/>
   </p:clrMapOvr>
-  <mc:AlternateContent xmlns:mc="http://schemas.openxmlformats.org/markup-compatibility/2006" xmlns:p159="http://schemas.microsoft.com/office/powerpoint/2015/09/main">
-    <mc:Choice Requires="p159">
-      <p:transition xmlns:p14="http://schemas.microsoft.com/office/powerpoint/2010/main" spd="slow" p14:dur="2000">
-        <p159:morph option="byObject"/>
-      </p:transition>
-    </mc:Choice>
-    <mc:Fallback xmlns="">
-      <p:transition spd="slow">
-        <p:fade/>
-      </p:transition>
-    </mc:Fallback>
-  </mc:AlternateContent>
 </p:sld>
 </file>
 
@@ -18706,18 +18197,6 @@
   <p:clrMapOvr>
     <a:masterClrMapping/>
   </p:clrMapOvr>
-  <mc:AlternateContent xmlns:mc="http://schemas.openxmlformats.org/markup-compatibility/2006" xmlns:p159="http://schemas.microsoft.com/office/powerpoint/2015/09/main">
-    <mc:Choice Requires="p159">
-      <p:transition xmlns:p14="http://schemas.microsoft.com/office/powerpoint/2010/main" spd="slow" p14:dur="2000">
-        <p159:morph option="byObject"/>
-      </p:transition>
-    </mc:Choice>
-    <mc:Fallback xmlns="">
-      <p:transition spd="slow">
-        <p:fade/>
-      </p:transition>
-    </mc:Fallback>
-  </mc:AlternateContent>
 </p:sld>
 </file>
 
@@ -19722,18 +19201,6 @@
   <p:clrMapOvr>
     <a:masterClrMapping/>
   </p:clrMapOvr>
-  <mc:AlternateContent xmlns:mc="http://schemas.openxmlformats.org/markup-compatibility/2006" xmlns:p159="http://schemas.microsoft.com/office/powerpoint/2015/09/main">
-    <mc:Choice Requires="p159">
-      <p:transition xmlns:p14="http://schemas.microsoft.com/office/powerpoint/2010/main" spd="slow" p14:dur="2000">
-        <p159:morph option="byObject"/>
-      </p:transition>
-    </mc:Choice>
-    <mc:Fallback xmlns="">
-      <p:transition spd="slow">
-        <p:fade/>
-      </p:transition>
-    </mc:Fallback>
-  </mc:AlternateContent>
 </p:sld>
 </file>
 
@@ -21641,18 +21108,6 @@
   <p:clrMapOvr>
     <a:masterClrMapping/>
   </p:clrMapOvr>
-  <mc:AlternateContent xmlns:mc="http://schemas.openxmlformats.org/markup-compatibility/2006" xmlns:p159="http://schemas.microsoft.com/office/powerpoint/2015/09/main">
-    <mc:Choice Requires="p159">
-      <p:transition xmlns:p14="http://schemas.microsoft.com/office/powerpoint/2010/main" spd="slow" p14:dur="2000">
-        <p159:morph option="byObject"/>
-      </p:transition>
-    </mc:Choice>
-    <mc:Fallback xmlns="">
-      <p:transition spd="slow">
-        <p:fade/>
-      </p:transition>
-    </mc:Fallback>
-  </mc:AlternateContent>
 </p:sld>
 </file>
 
